--- a/citation/citations.pptx
+++ b/citation/citations.pptx
@@ -263,7 +263,7 @@
           <a:p>
             <a:fld id="{05ADB335-07D8-4793-8764-536BBE36751E}" type="datetimeFigureOut">
               <a:rPr lang="en-US" smtClean="0"/>
-              <a:t>1/21/2019</a:t>
+              <a:t>1/23/2019</a:t>
             </a:fld>
             <a:endParaRPr lang="en-US"/>
           </a:p>
@@ -461,7 +461,7 @@
           <a:p>
             <a:fld id="{05ADB335-07D8-4793-8764-536BBE36751E}" type="datetimeFigureOut">
               <a:rPr lang="en-US" smtClean="0"/>
-              <a:t>1/21/2019</a:t>
+              <a:t>1/23/2019</a:t>
             </a:fld>
             <a:endParaRPr lang="en-US"/>
           </a:p>
@@ -669,7 +669,7 @@
           <a:p>
             <a:fld id="{05ADB335-07D8-4793-8764-536BBE36751E}" type="datetimeFigureOut">
               <a:rPr lang="en-US" smtClean="0"/>
-              <a:t>1/21/2019</a:t>
+              <a:t>1/23/2019</a:t>
             </a:fld>
             <a:endParaRPr lang="en-US"/>
           </a:p>
@@ -867,7 +867,7 @@
           <a:p>
             <a:fld id="{05ADB335-07D8-4793-8764-536BBE36751E}" type="datetimeFigureOut">
               <a:rPr lang="en-US" smtClean="0"/>
-              <a:t>1/21/2019</a:t>
+              <a:t>1/23/2019</a:t>
             </a:fld>
             <a:endParaRPr lang="en-US"/>
           </a:p>
@@ -1142,7 +1142,7 @@
           <a:p>
             <a:fld id="{05ADB335-07D8-4793-8764-536BBE36751E}" type="datetimeFigureOut">
               <a:rPr lang="en-US" smtClean="0"/>
-              <a:t>1/21/2019</a:t>
+              <a:t>1/23/2019</a:t>
             </a:fld>
             <a:endParaRPr lang="en-US"/>
           </a:p>
@@ -1407,7 +1407,7 @@
           <a:p>
             <a:fld id="{05ADB335-07D8-4793-8764-536BBE36751E}" type="datetimeFigureOut">
               <a:rPr lang="en-US" smtClean="0"/>
-              <a:t>1/21/2019</a:t>
+              <a:t>1/23/2019</a:t>
             </a:fld>
             <a:endParaRPr lang="en-US"/>
           </a:p>
@@ -1819,7 +1819,7 @@
           <a:p>
             <a:fld id="{05ADB335-07D8-4793-8764-536BBE36751E}" type="datetimeFigureOut">
               <a:rPr lang="en-US" smtClean="0"/>
-              <a:t>1/21/2019</a:t>
+              <a:t>1/23/2019</a:t>
             </a:fld>
             <a:endParaRPr lang="en-US"/>
           </a:p>
@@ -1960,7 +1960,7 @@
           <a:p>
             <a:fld id="{05ADB335-07D8-4793-8764-536BBE36751E}" type="datetimeFigureOut">
               <a:rPr lang="en-US" smtClean="0"/>
-              <a:t>1/21/2019</a:t>
+              <a:t>1/23/2019</a:t>
             </a:fld>
             <a:endParaRPr lang="en-US"/>
           </a:p>
@@ -2073,7 +2073,7 @@
           <a:p>
             <a:fld id="{05ADB335-07D8-4793-8764-536BBE36751E}" type="datetimeFigureOut">
               <a:rPr lang="en-US" smtClean="0"/>
-              <a:t>1/21/2019</a:t>
+              <a:t>1/23/2019</a:t>
             </a:fld>
             <a:endParaRPr lang="en-US"/>
           </a:p>
@@ -2384,7 +2384,7 @@
           <a:p>
             <a:fld id="{05ADB335-07D8-4793-8764-536BBE36751E}" type="datetimeFigureOut">
               <a:rPr lang="en-US" smtClean="0"/>
-              <a:t>1/21/2019</a:t>
+              <a:t>1/23/2019</a:t>
             </a:fld>
             <a:endParaRPr lang="en-US"/>
           </a:p>
@@ -2672,7 +2672,7 @@
           <a:p>
             <a:fld id="{05ADB335-07D8-4793-8764-536BBE36751E}" type="datetimeFigureOut">
               <a:rPr lang="en-US" smtClean="0"/>
-              <a:t>1/21/2019</a:t>
+              <a:t>1/23/2019</a:t>
             </a:fld>
             <a:endParaRPr lang="en-US"/>
           </a:p>
@@ -2913,7 +2913,7 @@
           <a:p>
             <a:fld id="{05ADB335-07D8-4793-8764-536BBE36751E}" type="datetimeFigureOut">
               <a:rPr lang="en-US" smtClean="0"/>
-              <a:t>1/21/2019</a:t>
+              <a:t>1/23/2019</a:t>
             </a:fld>
             <a:endParaRPr lang="en-US"/>
           </a:p>
@@ -4263,7 +4263,7 @@
             </p:nvSpPr>
             <p:spPr>
               <a:xfrm>
-                <a:off x="97494" y="1020393"/>
+                <a:off x="126875" y="1846560"/>
                 <a:ext cx="461408" cy="369332"/>
               </a:xfrm>
               <a:prstGeom prst="rect">
@@ -4277,6 +4277,7 @@
               </a:bodyPr>
               <a:lstStyle/>
               <a:p>
+                <a:pPr/>
                 <a14:m>
                   <m:oMathPara xmlns:m="http://schemas.openxmlformats.org/officeDocument/2006/math">
                     <m:oMathParaPr>
@@ -4333,7 +4334,7 @@
             </p:nvSpPr>
             <p:spPr>
               <a:xfrm>
-                <a:off x="97494" y="1020393"/>
+                <a:off x="126875" y="1846560"/>
                 <a:ext cx="461408" cy="369332"/>
               </a:xfrm>
               <a:prstGeom prst="rect">
@@ -4676,47 +4677,6 @@
           </a:p>
         </p:txBody>
       </p:sp>
-      <p:cxnSp>
-        <p:nvCxnSpPr>
-          <p:cNvPr id="23" name="Straight Arrow Connector 22">
-            <a:extLst>
-              <a:ext uri="{FF2B5EF4-FFF2-40B4-BE49-F238E27FC236}">
-                <a16:creationId xmlns:a16="http://schemas.microsoft.com/office/drawing/2014/main" id="{0504581A-F3AA-4CB3-96BC-405715AE68A1}"/>
-              </a:ext>
-            </a:extLst>
-          </p:cNvPr>
-          <p:cNvCxnSpPr>
-            <a:stCxn id="21" idx="3"/>
-          </p:cNvCxnSpPr>
-          <p:nvPr/>
-        </p:nvCxnSpPr>
-        <p:spPr>
-          <a:xfrm>
-            <a:off x="5033408" y="3593432"/>
-            <a:ext cx="613413" cy="0"/>
-          </a:xfrm>
-          <a:prstGeom prst="straightConnector1">
-            <a:avLst/>
-          </a:prstGeom>
-          <a:ln>
-            <a:tailEnd type="triangle"/>
-          </a:ln>
-        </p:spPr>
-        <p:style>
-          <a:lnRef idx="1">
-            <a:schemeClr val="accent1"/>
-          </a:lnRef>
-          <a:fillRef idx="0">
-            <a:schemeClr val="accent1"/>
-          </a:fillRef>
-          <a:effectRef idx="0">
-            <a:schemeClr val="accent1"/>
-          </a:effectRef>
-          <a:fontRef idx="minor">
-            <a:schemeClr val="tx1"/>
-          </a:fontRef>
-        </p:style>
-      </p:cxnSp>
       <p:sp>
         <p:nvSpPr>
           <p:cNvPr id="24" name="Rectangle 23">
@@ -4807,8 +4767,8 @@
           </a:fontRef>
         </p:style>
       </p:cxnSp>
-      <mc:AlternateContent xmlns:mc="http://schemas.openxmlformats.org/markup-compatibility/2006">
-        <mc:Choice xmlns:a14="http://schemas.microsoft.com/office/drawing/2010/main" Requires="a14">
+      <mc:AlternateContent xmlns:mc="http://schemas.openxmlformats.org/markup-compatibility/2006" xmlns:a14="http://schemas.microsoft.com/office/drawing/2010/main">
+        <mc:Choice Requires="a14">
           <p:sp>
             <p:nvSpPr>
               <p:cNvPr id="28" name="TextBox 27">
@@ -4837,6 +4797,7 @@
               </a:bodyPr>
               <a:lstStyle/>
               <a:p>
+                <a:pPr/>
                 <a14:m>
                   <m:oMathPara xmlns:m="http://schemas.openxmlformats.org/officeDocument/2006/math">
                     <m:oMathParaPr>
@@ -4876,7 +4837,7 @@
             </p:txBody>
           </p:sp>
         </mc:Choice>
-        <mc:Fallback>
+        <mc:Fallback xmlns="">
           <p:sp>
             <p:nvSpPr>
               <p:cNvPr id="28" name="TextBox 27">
@@ -4989,7 +4950,7 @@
           <a:prstGeom prst="bentConnector4">
             <a:avLst>
               <a:gd name="adj1" fmla="val 662"/>
-              <a:gd name="adj2" fmla="val 1048001"/>
+              <a:gd name="adj2" fmla="val 488001"/>
             </a:avLst>
           </a:prstGeom>
           <a:ln>
@@ -5184,8 +5145,8 @@
           </a:fontRef>
         </p:style>
       </p:cxnSp>
-      <mc:AlternateContent xmlns:mc="http://schemas.openxmlformats.org/markup-compatibility/2006">
-        <mc:Choice xmlns:a14="http://schemas.microsoft.com/office/drawing/2010/main" Requires="a14">
+      <mc:AlternateContent xmlns:mc="http://schemas.openxmlformats.org/markup-compatibility/2006" xmlns:a14="http://schemas.microsoft.com/office/drawing/2010/main">
+        <mc:Choice Requires="a14">
           <p:sp>
             <p:nvSpPr>
               <p:cNvPr id="49" name="TextBox 48">
@@ -5214,6 +5175,7 @@
               </a:bodyPr>
               <a:lstStyle/>
               <a:p>
+                <a:pPr/>
                 <a14:m>
                   <m:oMathPara xmlns:m="http://schemas.openxmlformats.org/officeDocument/2006/math">
                     <m:oMathParaPr>
@@ -5253,7 +5215,7 @@
             </p:txBody>
           </p:sp>
         </mc:Choice>
-        <mc:Fallback>
+        <mc:Fallback xmlns="">
           <p:sp>
             <p:nvSpPr>
               <p:cNvPr id="49" name="TextBox 48">
@@ -5342,6 +5304,427 @@
           </a:fontRef>
         </p:style>
       </p:cxnSp>
+      <p:sp>
+        <p:nvSpPr>
+          <p:cNvPr id="25" name="Oval 24">
+            <a:extLst>
+              <a:ext uri="{FF2B5EF4-FFF2-40B4-BE49-F238E27FC236}">
+                <a16:creationId xmlns:a16="http://schemas.microsoft.com/office/drawing/2014/main" id="{2BA02B27-15AC-4540-AFAE-8856A73BB324}"/>
+              </a:ext>
+            </a:extLst>
+          </p:cNvPr>
+          <p:cNvSpPr/>
+          <p:nvPr/>
+        </p:nvSpPr>
+        <p:spPr>
+          <a:xfrm>
+            <a:off x="5233933" y="3493156"/>
+            <a:ext cx="192506" cy="200526"/>
+          </a:xfrm>
+          <a:prstGeom prst="ellipse">
+            <a:avLst/>
+          </a:prstGeom>
+        </p:spPr>
+        <p:style>
+          <a:lnRef idx="2">
+            <a:schemeClr val="accent1">
+              <a:shade val="50000"/>
+            </a:schemeClr>
+          </a:lnRef>
+          <a:fillRef idx="1">
+            <a:schemeClr val="accent1"/>
+          </a:fillRef>
+          <a:effectRef idx="0">
+            <a:schemeClr val="accent1"/>
+          </a:effectRef>
+          <a:fontRef idx="minor">
+            <a:schemeClr val="lt1"/>
+          </a:fontRef>
+        </p:style>
+        <p:txBody>
+          <a:bodyPr rtlCol="0" anchor="ctr"/>
+          <a:lstStyle/>
+          <a:p>
+            <a:pPr algn="ctr"/>
+            <a:endParaRPr lang="en-US"/>
+          </a:p>
+        </p:txBody>
+      </p:sp>
+      <p:cxnSp>
+        <p:nvCxnSpPr>
+          <p:cNvPr id="3" name="Straight Arrow Connector 2">
+            <a:extLst>
+              <a:ext uri="{FF2B5EF4-FFF2-40B4-BE49-F238E27FC236}">
+                <a16:creationId xmlns:a16="http://schemas.microsoft.com/office/drawing/2014/main" id="{EB8F424E-8893-49FC-8D9B-C7F857FC6F33}"/>
+              </a:ext>
+            </a:extLst>
+          </p:cNvPr>
+          <p:cNvCxnSpPr>
+            <a:stCxn id="5" idx="3"/>
+            <a:endCxn id="18" idx="1"/>
+          </p:cNvCxnSpPr>
+          <p:nvPr/>
+        </p:nvCxnSpPr>
+        <p:spPr>
+          <a:xfrm>
+            <a:off x="588283" y="2031226"/>
+            <a:ext cx="712641" cy="7"/>
+          </a:xfrm>
+          <a:prstGeom prst="straightConnector1">
+            <a:avLst/>
+          </a:prstGeom>
+          <a:ln>
+            <a:tailEnd type="triangle"/>
+          </a:ln>
+        </p:spPr>
+        <p:style>
+          <a:lnRef idx="1">
+            <a:schemeClr val="accent1"/>
+          </a:lnRef>
+          <a:fillRef idx="0">
+            <a:schemeClr val="accent1"/>
+          </a:fillRef>
+          <a:effectRef idx="0">
+            <a:schemeClr val="accent1"/>
+          </a:effectRef>
+          <a:fontRef idx="minor">
+            <a:schemeClr val="tx1"/>
+          </a:fontRef>
+        </p:style>
+      </p:cxnSp>
+      <p:sp>
+        <p:nvSpPr>
+          <p:cNvPr id="30" name="Rectangle 29">
+            <a:extLst>
+              <a:ext uri="{FF2B5EF4-FFF2-40B4-BE49-F238E27FC236}">
+                <a16:creationId xmlns:a16="http://schemas.microsoft.com/office/drawing/2014/main" id="{0A32E952-178B-4178-ADA6-4BD837F02C39}"/>
+              </a:ext>
+            </a:extLst>
+          </p:cNvPr>
+          <p:cNvSpPr/>
+          <p:nvPr/>
+        </p:nvSpPr>
+        <p:spPr>
+          <a:xfrm>
+            <a:off x="4322348" y="4701887"/>
+            <a:ext cx="461408" cy="369320"/>
+          </a:xfrm>
+          <a:prstGeom prst="rect">
+            <a:avLst/>
+          </a:prstGeom>
+        </p:spPr>
+        <p:style>
+          <a:lnRef idx="2">
+            <a:schemeClr val="accent1">
+              <a:shade val="50000"/>
+            </a:schemeClr>
+          </a:lnRef>
+          <a:fillRef idx="1">
+            <a:schemeClr val="accent1"/>
+          </a:fillRef>
+          <a:effectRef idx="0">
+            <a:schemeClr val="accent1"/>
+          </a:effectRef>
+          <a:fontRef idx="minor">
+            <a:schemeClr val="lt1"/>
+          </a:fontRef>
+        </p:style>
+        <p:txBody>
+          <a:bodyPr rtlCol="0" anchor="ctr"/>
+          <a:lstStyle/>
+          <a:p>
+            <a:pPr algn="ctr"/>
+            <a:r>
+              <a:rPr lang="en-US" dirty="0"/>
+              <a:t>K</a:t>
+            </a:r>
+          </a:p>
+        </p:txBody>
+      </p:sp>
+      <p:cxnSp>
+        <p:nvCxnSpPr>
+          <p:cNvPr id="15" name="Connector: Elbow 14">
+            <a:extLst>
+              <a:ext uri="{FF2B5EF4-FFF2-40B4-BE49-F238E27FC236}">
+                <a16:creationId xmlns:a16="http://schemas.microsoft.com/office/drawing/2014/main" id="{56451FA7-1FD3-400A-A7E3-6E02A44C3BEE}"/>
+              </a:ext>
+            </a:extLst>
+          </p:cNvPr>
+          <p:cNvCxnSpPr>
+            <a:cxnSpLocks/>
+            <a:endCxn id="30" idx="1"/>
+          </p:cNvCxnSpPr>
+          <p:nvPr/>
+        </p:nvCxnSpPr>
+        <p:spPr>
+          <a:xfrm rot="16200000" flipH="1">
+            <a:off x="3044625" y="3608824"/>
+            <a:ext cx="1293130" cy="1262316"/>
+          </a:xfrm>
+          <a:prstGeom prst="bentConnector2">
+            <a:avLst/>
+          </a:prstGeom>
+          <a:ln>
+            <a:tailEnd type="triangle"/>
+          </a:ln>
+        </p:spPr>
+        <p:style>
+          <a:lnRef idx="1">
+            <a:schemeClr val="accent1"/>
+          </a:lnRef>
+          <a:fillRef idx="0">
+            <a:schemeClr val="accent1"/>
+          </a:fillRef>
+          <a:effectRef idx="0">
+            <a:schemeClr val="accent1"/>
+          </a:effectRef>
+          <a:fontRef idx="minor">
+            <a:schemeClr val="tx1"/>
+          </a:fontRef>
+        </p:style>
+      </p:cxnSp>
+      <p:cxnSp>
+        <p:nvCxnSpPr>
+          <p:cNvPr id="19" name="Connector: Elbow 18">
+            <a:extLst>
+              <a:ext uri="{FF2B5EF4-FFF2-40B4-BE49-F238E27FC236}">
+                <a16:creationId xmlns:a16="http://schemas.microsoft.com/office/drawing/2014/main" id="{B154F167-8E40-433E-BD2A-BB0F909B6A18}"/>
+              </a:ext>
+            </a:extLst>
+          </p:cNvPr>
+          <p:cNvCxnSpPr>
+            <a:cxnSpLocks/>
+            <a:stCxn id="30" idx="3"/>
+            <a:endCxn id="25" idx="4"/>
+          </p:cNvCxnSpPr>
+          <p:nvPr/>
+        </p:nvCxnSpPr>
+        <p:spPr>
+          <a:xfrm flipV="1">
+            <a:off x="4783756" y="3693682"/>
+            <a:ext cx="546430" cy="1192865"/>
+          </a:xfrm>
+          <a:prstGeom prst="bentConnector2">
+            <a:avLst/>
+          </a:prstGeom>
+          <a:ln>
+            <a:tailEnd type="triangle"/>
+          </a:ln>
+        </p:spPr>
+        <p:style>
+          <a:lnRef idx="1">
+            <a:schemeClr val="accent1"/>
+          </a:lnRef>
+          <a:fillRef idx="0">
+            <a:schemeClr val="accent1"/>
+          </a:fillRef>
+          <a:effectRef idx="0">
+            <a:schemeClr val="accent1"/>
+          </a:effectRef>
+          <a:fontRef idx="minor">
+            <a:schemeClr val="tx1"/>
+          </a:fontRef>
+        </p:style>
+      </p:cxnSp>
+      <p:cxnSp>
+        <p:nvCxnSpPr>
+          <p:cNvPr id="27" name="Straight Arrow Connector 26">
+            <a:extLst>
+              <a:ext uri="{FF2B5EF4-FFF2-40B4-BE49-F238E27FC236}">
+                <a16:creationId xmlns:a16="http://schemas.microsoft.com/office/drawing/2014/main" id="{B59058B7-1FC6-414B-8EC0-690364114333}"/>
+              </a:ext>
+            </a:extLst>
+          </p:cNvPr>
+          <p:cNvCxnSpPr>
+            <a:stCxn id="21" idx="3"/>
+            <a:endCxn id="25" idx="2"/>
+          </p:cNvCxnSpPr>
+          <p:nvPr/>
+        </p:nvCxnSpPr>
+        <p:spPr>
+          <a:xfrm flipV="1">
+            <a:off x="5033408" y="3593419"/>
+            <a:ext cx="200525" cy="13"/>
+          </a:xfrm>
+          <a:prstGeom prst="straightConnector1">
+            <a:avLst/>
+          </a:prstGeom>
+          <a:ln>
+            <a:tailEnd type="triangle"/>
+          </a:ln>
+        </p:spPr>
+        <p:style>
+          <a:lnRef idx="1">
+            <a:schemeClr val="accent1"/>
+          </a:lnRef>
+          <a:fillRef idx="0">
+            <a:schemeClr val="accent1"/>
+          </a:fillRef>
+          <a:effectRef idx="0">
+            <a:schemeClr val="accent1"/>
+          </a:effectRef>
+          <a:fontRef idx="minor">
+            <a:schemeClr val="tx1"/>
+          </a:fontRef>
+        </p:style>
+      </p:cxnSp>
+      <p:cxnSp>
+        <p:nvCxnSpPr>
+          <p:cNvPr id="32" name="Straight Arrow Connector 31">
+            <a:extLst>
+              <a:ext uri="{FF2B5EF4-FFF2-40B4-BE49-F238E27FC236}">
+                <a16:creationId xmlns:a16="http://schemas.microsoft.com/office/drawing/2014/main" id="{6C9603D1-C31C-4439-8E43-3159CF5035F5}"/>
+              </a:ext>
+            </a:extLst>
+          </p:cNvPr>
+          <p:cNvCxnSpPr>
+            <a:stCxn id="25" idx="6"/>
+            <a:endCxn id="24" idx="1"/>
+          </p:cNvCxnSpPr>
+          <p:nvPr/>
+        </p:nvCxnSpPr>
+        <p:spPr>
+          <a:xfrm>
+            <a:off x="5426439" y="3593419"/>
+            <a:ext cx="220382" cy="1"/>
+          </a:xfrm>
+          <a:prstGeom prst="straightConnector1">
+            <a:avLst/>
+          </a:prstGeom>
+          <a:ln>
+            <a:tailEnd type="triangle"/>
+          </a:ln>
+        </p:spPr>
+        <p:style>
+          <a:lnRef idx="1">
+            <a:schemeClr val="accent1"/>
+          </a:lnRef>
+          <a:fillRef idx="0">
+            <a:schemeClr val="accent1"/>
+          </a:fillRef>
+          <a:effectRef idx="0">
+            <a:schemeClr val="accent1"/>
+          </a:effectRef>
+          <a:fontRef idx="minor">
+            <a:schemeClr val="tx1"/>
+          </a:fontRef>
+        </p:style>
+      </p:cxnSp>
+      <mc:AlternateContent xmlns:mc="http://schemas.openxmlformats.org/markup-compatibility/2006">
+        <mc:Choice xmlns:a14="http://schemas.microsoft.com/office/drawing/2010/main" Requires="a14">
+          <p:sp>
+            <p:nvSpPr>
+              <p:cNvPr id="47" name="TextBox 46">
+                <a:extLst>
+                  <a:ext uri="{FF2B5EF4-FFF2-40B4-BE49-F238E27FC236}">
+                    <a16:creationId xmlns:a16="http://schemas.microsoft.com/office/drawing/2014/main" id="{04B9161D-3FC5-49DF-97F4-9D531077E8E8}"/>
+                  </a:ext>
+                </a:extLst>
+              </p:cNvPr>
+              <p:cNvSpPr txBox="1"/>
+              <p:nvPr/>
+            </p:nvSpPr>
+            <p:spPr>
+              <a:xfrm>
+                <a:off x="2975813" y="3234302"/>
+                <a:ext cx="615746" cy="369332"/>
+              </a:xfrm>
+              <a:prstGeom prst="rect">
+                <a:avLst/>
+              </a:prstGeom>
+              <a:noFill/>
+            </p:spPr>
+            <p:txBody>
+              <a:bodyPr wrap="none" rtlCol="0">
+                <a:spAutoFit/>
+              </a:bodyPr>
+              <a:lstStyle/>
+              <a:p>
+                <a:pPr/>
+                <a14:m>
+                  <m:oMathPara xmlns:m="http://schemas.openxmlformats.org/officeDocument/2006/math">
+                    <m:oMathParaPr>
+                      <m:jc m:val="centerGroup"/>
+                    </m:oMathParaPr>
+                    <m:oMath xmlns:m="http://schemas.openxmlformats.org/officeDocument/2006/math">
+                      <m:sSub>
+                        <m:sSubPr>
+                          <m:ctrlPr>
+                            <a:rPr lang="en-US" b="0" i="1" smtClean="0">
+                              <a:latin typeface="Cambria Math" panose="02040503050406030204" pitchFamily="18" charset="0"/>
+                            </a:rPr>
+                          </m:ctrlPr>
+                        </m:sSubPr>
+                        <m:e>
+                          <m:r>
+                            <a:rPr lang="en-US" b="0" i="1" smtClean="0">
+                              <a:latin typeface="Cambria Math" panose="02040503050406030204" pitchFamily="18" charset="0"/>
+                            </a:rPr>
+                            <m:t>𝑌</m:t>
+                          </m:r>
+                        </m:e>
+                        <m:sub>
+                          <m:r>
+                            <a:rPr lang="en-US" b="0" i="1" smtClean="0">
+                              <a:latin typeface="Cambria Math" panose="02040503050406030204" pitchFamily="18" charset="0"/>
+                            </a:rPr>
+                            <m:t>𝐼𝐿𝐶</m:t>
+                          </m:r>
+                        </m:sub>
+                      </m:sSub>
+                    </m:oMath>
+                  </m:oMathPara>
+                </a14:m>
+                <a:endParaRPr lang="en-US" dirty="0"/>
+              </a:p>
+            </p:txBody>
+          </p:sp>
+        </mc:Choice>
+        <mc:Fallback>
+          <p:sp>
+            <p:nvSpPr>
+              <p:cNvPr id="47" name="TextBox 46">
+                <a:extLst>
+                  <a:ext uri="{FF2B5EF4-FFF2-40B4-BE49-F238E27FC236}">
+                    <a16:creationId xmlns:a16="http://schemas.microsoft.com/office/drawing/2014/main" id="{04B9161D-3FC5-49DF-97F4-9D531077E8E8}"/>
+                  </a:ext>
+                </a:extLst>
+              </p:cNvPr>
+              <p:cNvSpPr txBox="1">
+                <a:spLocks noRot="1" noChangeAspect="1" noMove="1" noResize="1" noEditPoints="1" noAdjustHandles="1" noChangeArrowheads="1" noChangeShapeType="1" noTextEdit="1"/>
+              </p:cNvSpPr>
+              <p:nvPr/>
+            </p:nvSpPr>
+            <p:spPr>
+              <a:xfrm>
+                <a:off x="2975813" y="3234302"/>
+                <a:ext cx="615746" cy="369332"/>
+              </a:xfrm>
+              <a:prstGeom prst="rect">
+                <a:avLst/>
+              </a:prstGeom>
+              <a:blipFill>
+                <a:blip r:embed="rId5"/>
+                <a:stretch>
+                  <a:fillRect/>
+                </a:stretch>
+              </a:blipFill>
+            </p:spPr>
+            <p:txBody>
+              <a:bodyPr/>
+              <a:lstStyle/>
+              <a:p>
+                <a:r>
+                  <a:rPr lang="en-US">
+                    <a:noFill/>
+                  </a:rPr>
+                  <a:t> </a:t>
+                </a:r>
+              </a:p>
+            </p:txBody>
+          </p:sp>
+        </mc:Fallback>
+      </mc:AlternateContent>
     </p:spTree>
     <p:extLst>
       <p:ext uri="{BB962C8B-B14F-4D97-AF65-F5344CB8AC3E}">
